--- a/Presentation/04 - Blazor - Formuláře.pptx
+++ b/Presentation/04 - Blazor - Formuláře.pptx
@@ -244,7 +244,7 @@
             <a:fld id="{A74C3DD1-6B4C-423E-A696-BD4124EC33BC}" type="datetimeFigureOut">
               <a:rPr lang="cs-CZ" smtClean="0"/>
               <a:pPr/>
-              <a:t>21.02.2020</a:t>
+              <a:t>27.02.2020</a:t>
             </a:fld>
             <a:endParaRPr lang="cs-CZ" dirty="0"/>
           </a:p>
@@ -711,7 +711,7 @@
           <a:p>
             <a:fld id="{0DA6F2F8-F70A-47D7-AD2D-4F12E71A0C18}" type="datetimeFigureOut">
               <a:rPr lang="cs-CZ" smtClean="0"/>
-              <a:t>21.02.2020</a:t>
+              <a:t>27.02.2020</a:t>
             </a:fld>
             <a:endParaRPr lang="cs-CZ"/>
           </a:p>
@@ -893,7 +893,7 @@
           <a:p>
             <a:fld id="{0DA6F2F8-F70A-47D7-AD2D-4F12E71A0C18}" type="datetimeFigureOut">
               <a:rPr lang="cs-CZ" smtClean="0"/>
-              <a:t>21.02.2020</a:t>
+              <a:t>27.02.2020</a:t>
             </a:fld>
             <a:endParaRPr lang="cs-CZ"/>
           </a:p>
@@ -1085,7 +1085,7 @@
           <a:p>
             <a:fld id="{0DA6F2F8-F70A-47D7-AD2D-4F12E71A0C18}" type="datetimeFigureOut">
               <a:rPr lang="cs-CZ" smtClean="0"/>
-              <a:t>21.02.2020</a:t>
+              <a:t>27.02.2020</a:t>
             </a:fld>
             <a:endParaRPr lang="cs-CZ"/>
           </a:p>
@@ -1300,7 +1300,7 @@
           <a:p>
             <a:fld id="{0DA6F2F8-F70A-47D7-AD2D-4F12E71A0C18}" type="datetimeFigureOut">
               <a:rPr lang="cs-CZ" smtClean="0"/>
-              <a:t>21.02.2020</a:t>
+              <a:t>27.02.2020</a:t>
             </a:fld>
             <a:endParaRPr lang="cs-CZ"/>
           </a:p>
@@ -1575,7 +1575,7 @@
           <a:p>
             <a:fld id="{0DA6F2F8-F70A-47D7-AD2D-4F12E71A0C18}" type="datetimeFigureOut">
               <a:rPr lang="cs-CZ" smtClean="0"/>
-              <a:t>21.02.2020</a:t>
+              <a:t>27.02.2020</a:t>
             </a:fld>
             <a:endParaRPr lang="cs-CZ"/>
           </a:p>
@@ -1892,7 +1892,7 @@
           <a:p>
             <a:fld id="{0DA6F2F8-F70A-47D7-AD2D-4F12E71A0C18}" type="datetimeFigureOut">
               <a:rPr lang="cs-CZ" smtClean="0"/>
-              <a:t>21.02.2020</a:t>
+              <a:t>27.02.2020</a:t>
             </a:fld>
             <a:endParaRPr lang="cs-CZ" dirty="0"/>
           </a:p>
@@ -2343,7 +2343,7 @@
           <a:p>
             <a:fld id="{0DA6F2F8-F70A-47D7-AD2D-4F12E71A0C18}" type="datetimeFigureOut">
               <a:rPr lang="cs-CZ" smtClean="0"/>
-              <a:t>21.02.2020</a:t>
+              <a:t>27.02.2020</a:t>
             </a:fld>
             <a:endParaRPr lang="cs-CZ"/>
           </a:p>
@@ -2490,7 +2490,7 @@
           <a:p>
             <a:fld id="{0DA6F2F8-F70A-47D7-AD2D-4F12E71A0C18}" type="datetimeFigureOut">
               <a:rPr lang="cs-CZ" smtClean="0"/>
-              <a:t>21.02.2020</a:t>
+              <a:t>27.02.2020</a:t>
             </a:fld>
             <a:endParaRPr lang="cs-CZ"/>
           </a:p>
@@ -2597,7 +2597,7 @@
           <a:p>
             <a:fld id="{0DA6F2F8-F70A-47D7-AD2D-4F12E71A0C18}" type="datetimeFigureOut">
               <a:rPr lang="cs-CZ" smtClean="0"/>
-              <a:t>21.02.2020</a:t>
+              <a:t>27.02.2020</a:t>
             </a:fld>
             <a:endParaRPr lang="cs-CZ"/>
           </a:p>
@@ -2888,7 +2888,7 @@
           <a:p>
             <a:fld id="{0DA6F2F8-F70A-47D7-AD2D-4F12E71A0C18}" type="datetimeFigureOut">
               <a:rPr lang="cs-CZ" smtClean="0"/>
-              <a:t>21.02.2020</a:t>
+              <a:t>27.02.2020</a:t>
             </a:fld>
             <a:endParaRPr lang="cs-CZ"/>
           </a:p>
@@ -3157,7 +3157,7 @@
           <a:p>
             <a:fld id="{0DA6F2F8-F70A-47D7-AD2D-4F12E71A0C18}" type="datetimeFigureOut">
               <a:rPr lang="cs-CZ" smtClean="0"/>
-              <a:t>21.02.2020</a:t>
+              <a:t>27.02.2020</a:t>
             </a:fld>
             <a:endParaRPr lang="cs-CZ"/>
           </a:p>
@@ -3421,7 +3421,7 @@
           <a:p>
             <a:fld id="{0DA6F2F8-F70A-47D7-AD2D-4F12E71A0C18}" type="datetimeFigureOut">
               <a:rPr lang="cs-CZ" smtClean="0"/>
-              <a:t>21.02.2020</a:t>
+              <a:t>27.02.2020</a:t>
             </a:fld>
             <a:endParaRPr lang="cs-CZ"/>
           </a:p>
@@ -3887,11 +3887,11 @@
   <p:clrMapOvr>
     <a:masterClrMapping/>
   </p:clrMapOvr>
-  <mc:AlternateContent xmlns:mc="http://schemas.openxmlformats.org/markup-compatibility/2006" xmlns:p14="http://schemas.microsoft.com/office/powerpoint/2010/main">
-    <mc:Choice Requires="p14">
+  <mc:AlternateContent xmlns:mc="http://schemas.openxmlformats.org/markup-compatibility/2006">
+    <mc:Choice xmlns:p14="http://schemas.microsoft.com/office/powerpoint/2010/main" Requires="p14">
       <p:transition p14:dur="0"/>
     </mc:Choice>
-    <mc:Fallback xmlns="">
+    <mc:Fallback>
       <p:transition/>
     </mc:Fallback>
   </mc:AlternateContent>
@@ -4410,16 +4410,12 @@
   <p:clrMapOvr>
     <a:masterClrMapping/>
   </p:clrMapOvr>
-  <mc:AlternateContent xmlns:mc="http://schemas.openxmlformats.org/markup-compatibility/2006" xmlns:p14="http://schemas.microsoft.com/office/powerpoint/2010/main">
-    <mc:Choice Requires="p14">
-      <p:transition spd="med" p14:dur="700">
-        <p:fade/>
-      </p:transition>
+  <mc:AlternateContent xmlns:mc="http://schemas.openxmlformats.org/markup-compatibility/2006">
+    <mc:Choice xmlns:p14="http://schemas.microsoft.com/office/powerpoint/2010/main" Requires="p14">
+      <p:transition p14:dur="0"/>
     </mc:Choice>
-    <mc:Fallback xmlns="">
-      <p:transition spd="med">
-        <p:fade/>
-      </p:transition>
+    <mc:Fallback>
+      <p:transition/>
     </mc:Fallback>
   </mc:AlternateContent>
   <p:timing>
@@ -5224,16 +5220,12 @@
   <p:clrMapOvr>
     <a:masterClrMapping/>
   </p:clrMapOvr>
-  <mc:AlternateContent xmlns:mc="http://schemas.openxmlformats.org/markup-compatibility/2006" xmlns:p14="http://schemas.microsoft.com/office/powerpoint/2010/main">
-    <mc:Choice Requires="p14">
-      <p:transition spd="med" p14:dur="700">
-        <p:fade/>
-      </p:transition>
+  <mc:AlternateContent xmlns:mc="http://schemas.openxmlformats.org/markup-compatibility/2006">
+    <mc:Choice xmlns:p14="http://schemas.microsoft.com/office/powerpoint/2010/main" Requires="p14">
+      <p:transition p14:dur="0"/>
     </mc:Choice>
-    <mc:Fallback xmlns="">
-      <p:transition spd="med">
-        <p:fade/>
-      </p:transition>
+    <mc:Fallback>
+      <p:transition/>
     </mc:Fallback>
   </mc:AlternateContent>
 </p:sld>
@@ -5842,16 +5834,12 @@
   <p:clrMapOvr>
     <a:masterClrMapping/>
   </p:clrMapOvr>
-  <mc:AlternateContent xmlns:mc="http://schemas.openxmlformats.org/markup-compatibility/2006" xmlns:p14="http://schemas.microsoft.com/office/powerpoint/2010/main">
-    <mc:Choice Requires="p14">
-      <p:transition spd="med" p14:dur="700">
-        <p:fade/>
-      </p:transition>
+  <mc:AlternateContent xmlns:mc="http://schemas.openxmlformats.org/markup-compatibility/2006">
+    <mc:Choice xmlns:p14="http://schemas.microsoft.com/office/powerpoint/2010/main" Requires="p14">
+      <p:transition p14:dur="0"/>
     </mc:Choice>
-    <mc:Fallback xmlns="">
-      <p:transition spd="med">
-        <p:fade/>
-      </p:transition>
+    <mc:Fallback>
+      <p:transition/>
     </mc:Fallback>
   </mc:AlternateContent>
   <p:timing>
@@ -6295,16 +6283,12 @@
   <p:clrMapOvr>
     <a:masterClrMapping/>
   </p:clrMapOvr>
-  <mc:AlternateContent xmlns:mc="http://schemas.openxmlformats.org/markup-compatibility/2006" xmlns:p14="http://schemas.microsoft.com/office/powerpoint/2010/main">
-    <mc:Choice Requires="p14">
-      <p:transition spd="med" p14:dur="700">
-        <p:fade/>
-      </p:transition>
+  <mc:AlternateContent xmlns:mc="http://schemas.openxmlformats.org/markup-compatibility/2006">
+    <mc:Choice xmlns:p14="http://schemas.microsoft.com/office/powerpoint/2010/main" Requires="p14">
+      <p:transition p14:dur="0"/>
     </mc:Choice>
-    <mc:Fallback xmlns="">
-      <p:transition spd="med">
-        <p:fade/>
-      </p:transition>
+    <mc:Fallback>
+      <p:transition/>
     </mc:Fallback>
   </mc:AlternateContent>
 </p:sld>
@@ -6451,11 +6435,11 @@
   <p:clrMapOvr>
     <a:masterClrMapping/>
   </p:clrMapOvr>
-  <mc:AlternateContent xmlns:mc="http://schemas.openxmlformats.org/markup-compatibility/2006" xmlns:p14="http://schemas.microsoft.com/office/powerpoint/2010/main">
-    <mc:Choice Requires="p14">
+  <mc:AlternateContent xmlns:mc="http://schemas.openxmlformats.org/markup-compatibility/2006">
+    <mc:Choice xmlns:p14="http://schemas.microsoft.com/office/powerpoint/2010/main" Requires="p14">
       <p:transition p14:dur="0"/>
     </mc:Choice>
-    <mc:Fallback xmlns="">
+    <mc:Fallback>
       <p:transition/>
     </mc:Fallback>
   </mc:AlternateContent>
@@ -7038,9 +7022,12 @@
 </file>
 
 <file path=customXml/item1.xml><?xml version="1.0" encoding="utf-8"?>
-<p:properties xmlns:p="http://schemas.microsoft.com/office/2006/metadata/properties" xmlns:xsi="http://www.w3.org/2001/XMLSchema-instance" xmlns:pc="http://schemas.microsoft.com/office/infopath/2007/PartnerControls">
-  <documentManagement/>
-</p:properties>
+<?mso-contentType ?>
+<FormTemplates xmlns="http://schemas.microsoft.com/sharepoint/v3/contenttype/forms">
+  <Display>DocumentLibraryForm</Display>
+  <Edit>DocumentLibraryForm</Edit>
+  <New>DocumentLibraryForm</New>
+</FormTemplates>
 </file>
 
 <file path=customXml/item2.xml><?xml version="1.0" encoding="utf-8"?>
@@ -7158,19 +7145,15 @@
 </file>
 
 <file path=customXml/item3.xml><?xml version="1.0" encoding="utf-8"?>
-<?mso-contentType ?>
-<FormTemplates xmlns="http://schemas.microsoft.com/sharepoint/v3/contenttype/forms">
-  <Display>DocumentLibraryForm</Display>
-  <Edit>DocumentLibraryForm</Edit>
-  <New>DocumentLibraryForm</New>
-</FormTemplates>
+<p:properties xmlns:p="http://schemas.microsoft.com/office/2006/metadata/properties" xmlns:xsi="http://www.w3.org/2001/XMLSchema-instance" xmlns:pc="http://schemas.microsoft.com/office/infopath/2007/PartnerControls">
+  <documentManagement/>
+</p:properties>
 </file>
 
 <file path=customXml/itemProps1.xml><?xml version="1.0" encoding="utf-8"?>
-<ds:datastoreItem xmlns:ds="http://schemas.openxmlformats.org/officeDocument/2006/customXml" ds:itemID="{317FD51D-081C-435E-8F5D-6D88218064D9}">
+<ds:datastoreItem xmlns:ds="http://schemas.openxmlformats.org/officeDocument/2006/customXml" ds:itemID="{B22238E5-BDC0-4655-AFB5-A7405C559E7D}">
   <ds:schemaRefs>
-    <ds:schemaRef ds:uri="http://schemas.microsoft.com/office/2006/metadata/properties"/>
-    <ds:schemaRef ds:uri="http://schemas.microsoft.com/office/infopath/2007/PartnerControls"/>
+    <ds:schemaRef ds:uri="http://schemas.microsoft.com/sharepoint/v3/contenttype/forms"/>
   </ds:schemaRefs>
 </ds:datastoreItem>
 </file>
@@ -7192,9 +7175,10 @@
 </file>
 
 <file path=customXml/itemProps3.xml><?xml version="1.0" encoding="utf-8"?>
-<ds:datastoreItem xmlns:ds="http://schemas.openxmlformats.org/officeDocument/2006/customXml" ds:itemID="{B22238E5-BDC0-4655-AFB5-A7405C559E7D}">
+<ds:datastoreItem xmlns:ds="http://schemas.openxmlformats.org/officeDocument/2006/customXml" ds:itemID="{317FD51D-081C-435E-8F5D-6D88218064D9}">
   <ds:schemaRefs>
-    <ds:schemaRef ds:uri="http://schemas.microsoft.com/sharepoint/v3/contenttype/forms"/>
+    <ds:schemaRef ds:uri="http://schemas.microsoft.com/office/2006/metadata/properties"/>
+    <ds:schemaRef ds:uri="http://schemas.microsoft.com/office/infopath/2007/PartnerControls"/>
   </ds:schemaRefs>
 </ds:datastoreItem>
 </file>
--- a/Presentation/04 - Blazor - Formuláře.pptx
+++ b/Presentation/04 - Blazor - Formuláře.pptx
@@ -5,7 +5,7 @@
     <p:sldMasterId id="2147483794" r:id="rId4"/>
   </p:sldMasterIdLst>
   <p:notesMasterIdLst>
-    <p:notesMasterId r:id="rId11"/>
+    <p:notesMasterId r:id="rId16"/>
   </p:notesMasterIdLst>
   <p:sldIdLst>
     <p:sldId id="256" r:id="rId5"/>
@@ -14,6 +14,11 @@
     <p:sldId id="334" r:id="rId8"/>
     <p:sldId id="335" r:id="rId9"/>
     <p:sldId id="329" r:id="rId10"/>
+    <p:sldId id="337" r:id="rId11"/>
+    <p:sldId id="341" r:id="rId12"/>
+    <p:sldId id="344" r:id="rId13"/>
+    <p:sldId id="345" r:id="rId14"/>
+    <p:sldId id="346" r:id="rId15"/>
   </p:sldIdLst>
   <p:sldSz cx="12192000" cy="6858000"/>
   <p:notesSz cx="6858000" cy="9144000"/>
@@ -244,7 +249,7 @@
             <a:fld id="{A74C3DD1-6B4C-423E-A696-BD4124EC33BC}" type="datetimeFigureOut">
               <a:rPr lang="cs-CZ" smtClean="0"/>
               <a:pPr/>
-              <a:t>27.02.2020</a:t>
+              <a:t>15.10.2021</a:t>
             </a:fld>
             <a:endParaRPr lang="cs-CZ" dirty="0"/>
           </a:p>
@@ -711,7 +716,7 @@
           <a:p>
             <a:fld id="{0DA6F2F8-F70A-47D7-AD2D-4F12E71A0C18}" type="datetimeFigureOut">
               <a:rPr lang="cs-CZ" smtClean="0"/>
-              <a:t>27.02.2020</a:t>
+              <a:t>15.10.2021</a:t>
             </a:fld>
             <a:endParaRPr lang="cs-CZ"/>
           </a:p>
@@ -893,7 +898,7 @@
           <a:p>
             <a:fld id="{0DA6F2F8-F70A-47D7-AD2D-4F12E71A0C18}" type="datetimeFigureOut">
               <a:rPr lang="cs-CZ" smtClean="0"/>
-              <a:t>27.02.2020</a:t>
+              <a:t>15.10.2021</a:t>
             </a:fld>
             <a:endParaRPr lang="cs-CZ"/>
           </a:p>
@@ -1085,7 +1090,7 @@
           <a:p>
             <a:fld id="{0DA6F2F8-F70A-47D7-AD2D-4F12E71A0C18}" type="datetimeFigureOut">
               <a:rPr lang="cs-CZ" smtClean="0"/>
-              <a:t>27.02.2020</a:t>
+              <a:t>15.10.2021</a:t>
             </a:fld>
             <a:endParaRPr lang="cs-CZ"/>
           </a:p>
@@ -1300,7 +1305,7 @@
           <a:p>
             <a:fld id="{0DA6F2F8-F70A-47D7-AD2D-4F12E71A0C18}" type="datetimeFigureOut">
               <a:rPr lang="cs-CZ" smtClean="0"/>
-              <a:t>27.02.2020</a:t>
+              <a:t>15.10.2021</a:t>
             </a:fld>
             <a:endParaRPr lang="cs-CZ"/>
           </a:p>
@@ -1575,7 +1580,7 @@
           <a:p>
             <a:fld id="{0DA6F2F8-F70A-47D7-AD2D-4F12E71A0C18}" type="datetimeFigureOut">
               <a:rPr lang="cs-CZ" smtClean="0"/>
-              <a:t>27.02.2020</a:t>
+              <a:t>15.10.2021</a:t>
             </a:fld>
             <a:endParaRPr lang="cs-CZ"/>
           </a:p>
@@ -1892,7 +1897,7 @@
           <a:p>
             <a:fld id="{0DA6F2F8-F70A-47D7-AD2D-4F12E71A0C18}" type="datetimeFigureOut">
               <a:rPr lang="cs-CZ" smtClean="0"/>
-              <a:t>27.02.2020</a:t>
+              <a:t>15.10.2021</a:t>
             </a:fld>
             <a:endParaRPr lang="cs-CZ" dirty="0"/>
           </a:p>
@@ -2343,7 +2348,7 @@
           <a:p>
             <a:fld id="{0DA6F2F8-F70A-47D7-AD2D-4F12E71A0C18}" type="datetimeFigureOut">
               <a:rPr lang="cs-CZ" smtClean="0"/>
-              <a:t>27.02.2020</a:t>
+              <a:t>15.10.2021</a:t>
             </a:fld>
             <a:endParaRPr lang="cs-CZ"/>
           </a:p>
@@ -2490,7 +2495,7 @@
           <a:p>
             <a:fld id="{0DA6F2F8-F70A-47D7-AD2D-4F12E71A0C18}" type="datetimeFigureOut">
               <a:rPr lang="cs-CZ" smtClean="0"/>
-              <a:t>27.02.2020</a:t>
+              <a:t>15.10.2021</a:t>
             </a:fld>
             <a:endParaRPr lang="cs-CZ"/>
           </a:p>
@@ -2597,7 +2602,7 @@
           <a:p>
             <a:fld id="{0DA6F2F8-F70A-47D7-AD2D-4F12E71A0C18}" type="datetimeFigureOut">
               <a:rPr lang="cs-CZ" smtClean="0"/>
-              <a:t>27.02.2020</a:t>
+              <a:t>15.10.2021</a:t>
             </a:fld>
             <a:endParaRPr lang="cs-CZ"/>
           </a:p>
@@ -2888,7 +2893,7 @@
           <a:p>
             <a:fld id="{0DA6F2F8-F70A-47D7-AD2D-4F12E71A0C18}" type="datetimeFigureOut">
               <a:rPr lang="cs-CZ" smtClean="0"/>
-              <a:t>27.02.2020</a:t>
+              <a:t>15.10.2021</a:t>
             </a:fld>
             <a:endParaRPr lang="cs-CZ"/>
           </a:p>
@@ -3157,7 +3162,7 @@
           <a:p>
             <a:fld id="{0DA6F2F8-F70A-47D7-AD2D-4F12E71A0C18}" type="datetimeFigureOut">
               <a:rPr lang="cs-CZ" smtClean="0"/>
-              <a:t>27.02.2020</a:t>
+              <a:t>15.10.2021</a:t>
             </a:fld>
             <a:endParaRPr lang="cs-CZ"/>
           </a:p>
@@ -3421,7 +3426,7 @@
           <a:p>
             <a:fld id="{0DA6F2F8-F70A-47D7-AD2D-4F12E71A0C18}" type="datetimeFigureOut">
               <a:rPr lang="cs-CZ" smtClean="0"/>
-              <a:t>27.02.2020</a:t>
+              <a:t>15.10.2021</a:t>
             </a:fld>
             <a:endParaRPr lang="cs-CZ"/>
           </a:p>
@@ -3832,7 +3837,7 @@
         </p:spPr>
         <p:txBody>
           <a:bodyPr>
-            <a:normAutofit/>
+            <a:normAutofit fontScale="90000"/>
           </a:bodyPr>
           <a:lstStyle/>
           <a:p>
@@ -3854,6 +3859,21 @@
                 </a:solidFill>
               </a:rPr>
               <a:t>Formuláře &amp; validace</a:t>
+            </a:r>
+            <a:br>
+              <a:rPr lang="cs-CZ" sz="4000" dirty="0">
+                <a:solidFill>
+                  <a:srgbClr val="000000"/>
+                </a:solidFill>
+              </a:rPr>
+            </a:br>
+            <a:r>
+              <a:rPr lang="cs-CZ" sz="4000" dirty="0">
+                <a:solidFill>
+                  <a:srgbClr val="000000"/>
+                </a:solidFill>
+              </a:rPr>
+              <a:t>Lokalizace (podruhé)</a:t>
             </a:r>
           </a:p>
         </p:txBody>
@@ -3887,12 +3907,302 @@
   <p:clrMapOvr>
     <a:masterClrMapping/>
   </p:clrMapOvr>
-  <mc:AlternateContent xmlns:mc="http://schemas.openxmlformats.org/markup-compatibility/2006">
-    <mc:Choice xmlns:p14="http://schemas.microsoft.com/office/powerpoint/2010/main" Requires="p14">
+  <mc:AlternateContent xmlns:mc="http://schemas.openxmlformats.org/markup-compatibility/2006" xmlns:p14="http://schemas.microsoft.com/office/powerpoint/2010/main">
+    <mc:Choice Requires="p14">
       <p:transition p14:dur="0"/>
     </mc:Choice>
-    <mc:Fallback>
+    <mc:Fallback xmlns="">
       <p:transition/>
+    </mc:Fallback>
+  </mc:AlternateContent>
+</p:sld>
+</file>
+
+<file path=ppt/slides/slide10.xml><?xml version="1.0" encoding="utf-8"?>
+<p:sld xmlns:a="http://schemas.openxmlformats.org/drawingml/2006/main" xmlns:r="http://schemas.openxmlformats.org/officeDocument/2006/relationships" xmlns:p="http://schemas.openxmlformats.org/presentationml/2006/main">
+  <p:cSld>
+    <p:spTree>
+      <p:nvGrpSpPr>
+        <p:cNvPr id="1" name=""/>
+        <p:cNvGrpSpPr/>
+        <p:nvPr/>
+      </p:nvGrpSpPr>
+      <p:grpSpPr>
+        <a:xfrm>
+          <a:off x="0" y="0"/>
+          <a:ext cx="0" cy="0"/>
+          <a:chOff x="0" y="0"/>
+          <a:chExt cx="0" cy="0"/>
+        </a:xfrm>
+      </p:grpSpPr>
+      <p:sp>
+        <p:nvSpPr>
+          <p:cNvPr id="2" name="Nadpis 1">
+            <a:extLst>
+              <a:ext uri="{FF2B5EF4-FFF2-40B4-BE49-F238E27FC236}">
+                <a16:creationId xmlns:a16="http://schemas.microsoft.com/office/drawing/2014/main" id="{27878768-4007-45F5-9857-0C1B24BB4595}"/>
+              </a:ext>
+            </a:extLst>
+          </p:cNvPr>
+          <p:cNvSpPr>
+            <a:spLocks noGrp="1"/>
+          </p:cNvSpPr>
+          <p:nvPr>
+            <p:ph type="title"/>
+          </p:nvPr>
+        </p:nvSpPr>
+        <p:spPr/>
+        <p:txBody>
+          <a:bodyPr/>
+          <a:lstStyle/>
+          <a:p>
+            <a:r>
+              <a:rPr lang="cs-CZ" dirty="0" err="1"/>
+              <a:t>Fluent</a:t>
+            </a:r>
+            <a:r>
+              <a:rPr lang="cs-CZ" dirty="0"/>
+              <a:t> </a:t>
+            </a:r>
+            <a:r>
+              <a:rPr lang="cs-CZ" dirty="0" err="1"/>
+              <a:t>Validations</a:t>
+            </a:r>
+            <a:endParaRPr lang="cs-CZ" dirty="0"/>
+          </a:p>
+        </p:txBody>
+      </p:sp>
+      <p:sp>
+        <p:nvSpPr>
+          <p:cNvPr id="3" name="Zástupný obsah 2">
+            <a:extLst>
+              <a:ext uri="{FF2B5EF4-FFF2-40B4-BE49-F238E27FC236}">
+                <a16:creationId xmlns:a16="http://schemas.microsoft.com/office/drawing/2014/main" id="{1F343589-4780-44D8-8FFB-AF0A2452D908}"/>
+              </a:ext>
+            </a:extLst>
+          </p:cNvPr>
+          <p:cNvSpPr>
+            <a:spLocks noGrp="1"/>
+          </p:cNvSpPr>
+          <p:nvPr>
+            <p:ph idx="1"/>
+          </p:nvPr>
+        </p:nvSpPr>
+        <p:spPr/>
+        <p:txBody>
+          <a:bodyPr/>
+          <a:lstStyle/>
+          <a:p>
+            <a:r>
+              <a:rPr lang="cs-CZ" dirty="0">
+                <a:hlinkClick r:id="rId2"/>
+              </a:rPr>
+              <a:t>https://docs.fluentvalidation.net/</a:t>
+            </a:r>
+          </a:p>
+          <a:p>
+            <a:r>
+              <a:rPr lang="cs-CZ">
+                <a:hlinkClick r:id="rId3"/>
+              </a:rPr>
+              <a:t>https</a:t>
+            </a:r>
+            <a:r>
+              <a:rPr lang="cs-CZ" dirty="0">
+                <a:hlinkClick r:id="rId3"/>
+              </a:rPr>
+              <a:t>://docs.fluentvalidation.net/en/latest/blazor.html</a:t>
+            </a:r>
+            <a:endParaRPr lang="cs-CZ" dirty="0"/>
+          </a:p>
+          <a:p>
+            <a:endParaRPr lang="cs-CZ" dirty="0"/>
+          </a:p>
+        </p:txBody>
+      </p:sp>
+    </p:spTree>
+    <p:extLst>
+      <p:ext uri="{BB962C8B-B14F-4D97-AF65-F5344CB8AC3E}">
+        <p14:creationId xmlns:p14="http://schemas.microsoft.com/office/powerpoint/2010/main" val="3334540679"/>
+      </p:ext>
+    </p:extLst>
+  </p:cSld>
+  <p:clrMapOvr>
+    <a:masterClrMapping/>
+  </p:clrMapOvr>
+  <mc:AlternateContent xmlns:mc="http://schemas.openxmlformats.org/markup-compatibility/2006" xmlns:p14="http://schemas.microsoft.com/office/powerpoint/2010/main">
+    <mc:Choice Requires="p14">
+      <p:transition spd="med" p14:dur="700">
+        <p:fade/>
+      </p:transition>
+    </mc:Choice>
+    <mc:Fallback xmlns="">
+      <p:transition spd="med">
+        <p:fade/>
+      </p:transition>
+    </mc:Fallback>
+  </mc:AlternateContent>
+</p:sld>
+</file>
+
+<file path=ppt/slides/slide11.xml><?xml version="1.0" encoding="utf-8"?>
+<p:sld xmlns:a="http://schemas.openxmlformats.org/drawingml/2006/main" xmlns:r="http://schemas.openxmlformats.org/officeDocument/2006/relationships" xmlns:p="http://schemas.openxmlformats.org/presentationml/2006/main">
+  <p:cSld>
+    <p:spTree>
+      <p:nvGrpSpPr>
+        <p:cNvPr id="1" name=""/>
+        <p:cNvGrpSpPr/>
+        <p:nvPr/>
+      </p:nvGrpSpPr>
+      <p:grpSpPr>
+        <a:xfrm>
+          <a:off x="0" y="0"/>
+          <a:ext cx="0" cy="0"/>
+          <a:chOff x="0" y="0"/>
+          <a:chExt cx="0" cy="0"/>
+        </a:xfrm>
+      </p:grpSpPr>
+      <p:sp>
+        <p:nvSpPr>
+          <p:cNvPr id="2" name="Nadpis 1">
+            <a:extLst>
+              <a:ext uri="{FF2B5EF4-FFF2-40B4-BE49-F238E27FC236}">
+                <a16:creationId xmlns:a16="http://schemas.microsoft.com/office/drawing/2014/main" id="{27878768-4007-45F5-9857-0C1B24BB4595}"/>
+              </a:ext>
+            </a:extLst>
+          </p:cNvPr>
+          <p:cNvSpPr>
+            <a:spLocks noGrp="1"/>
+          </p:cNvSpPr>
+          <p:nvPr>
+            <p:ph type="title"/>
+          </p:nvPr>
+        </p:nvSpPr>
+        <p:spPr/>
+        <p:txBody>
+          <a:bodyPr/>
+          <a:lstStyle/>
+          <a:p>
+            <a:r>
+              <a:rPr lang="cs-CZ" dirty="0"/>
+              <a:t>HAVIT </a:t>
+            </a:r>
+            <a:r>
+              <a:rPr lang="cs-CZ" dirty="0" err="1"/>
+              <a:t>Blazor</a:t>
+            </a:r>
+            <a:endParaRPr lang="cs-CZ" dirty="0"/>
+          </a:p>
+        </p:txBody>
+      </p:sp>
+      <p:sp>
+        <p:nvSpPr>
+          <p:cNvPr id="3" name="Zástupný obsah 2">
+            <a:extLst>
+              <a:ext uri="{FF2B5EF4-FFF2-40B4-BE49-F238E27FC236}">
+                <a16:creationId xmlns:a16="http://schemas.microsoft.com/office/drawing/2014/main" id="{1F343589-4780-44D8-8FFB-AF0A2452D908}"/>
+              </a:ext>
+            </a:extLst>
+          </p:cNvPr>
+          <p:cNvSpPr>
+            <a:spLocks noGrp="1"/>
+          </p:cNvSpPr>
+          <p:nvPr>
+            <p:ph idx="1"/>
+          </p:nvPr>
+        </p:nvSpPr>
+        <p:spPr/>
+        <p:txBody>
+          <a:bodyPr/>
+          <a:lstStyle/>
+          <a:p>
+            <a:r>
+              <a:rPr lang="cs-CZ" dirty="0" err="1"/>
+              <a:t>Blazor</a:t>
+            </a:r>
+            <a:r>
+              <a:rPr lang="cs-CZ" dirty="0"/>
+              <a:t> &amp; </a:t>
+            </a:r>
+            <a:r>
+              <a:rPr lang="cs-CZ" dirty="0" err="1"/>
+              <a:t>Bootstrap</a:t>
+            </a:r>
+            <a:r>
+              <a:rPr lang="cs-CZ" dirty="0"/>
+              <a:t> 5</a:t>
+            </a:r>
+          </a:p>
+          <a:p>
+            <a:r>
+              <a:rPr lang="cs-CZ" dirty="0">
+                <a:hlinkClick r:id="rId2"/>
+              </a:rPr>
+              <a:t>https://havit.blazor.eu</a:t>
+            </a:r>
+            <a:endParaRPr lang="cs-CZ" dirty="0"/>
+          </a:p>
+          <a:p>
+            <a:endParaRPr lang="cs-CZ" dirty="0"/>
+          </a:p>
+          <a:p>
+            <a:endParaRPr lang="cs-CZ" dirty="0"/>
+          </a:p>
+          <a:p>
+            <a:endParaRPr lang="cs-CZ" dirty="0"/>
+          </a:p>
+        </p:txBody>
+      </p:sp>
+      <p:pic>
+        <p:nvPicPr>
+          <p:cNvPr id="4" name="Obrázek 3">
+            <a:extLst>
+              <a:ext uri="{FF2B5EF4-FFF2-40B4-BE49-F238E27FC236}">
+                <a16:creationId xmlns:a16="http://schemas.microsoft.com/office/drawing/2014/main" id="{74025FA8-5890-45AF-953A-56FDE089F11D}"/>
+              </a:ext>
+            </a:extLst>
+          </p:cNvPr>
+          <p:cNvPicPr>
+            <a:picLocks noChangeAspect="1"/>
+          </p:cNvPicPr>
+          <p:nvPr/>
+        </p:nvPicPr>
+        <p:blipFill>
+          <a:blip r:embed="rId3"/>
+          <a:stretch>
+            <a:fillRect/>
+          </a:stretch>
+        </p:blipFill>
+        <p:spPr>
+          <a:xfrm>
+            <a:off x="4727848" y="4824"/>
+            <a:ext cx="8258629" cy="6858000"/>
+          </a:xfrm>
+          <a:prstGeom prst="rect">
+            <a:avLst/>
+          </a:prstGeom>
+        </p:spPr>
+      </p:pic>
+    </p:spTree>
+    <p:extLst>
+      <p:ext uri="{BB962C8B-B14F-4D97-AF65-F5344CB8AC3E}">
+        <p14:creationId xmlns:p14="http://schemas.microsoft.com/office/powerpoint/2010/main" val="3887456304"/>
+      </p:ext>
+    </p:extLst>
+  </p:cSld>
+  <p:clrMapOvr>
+    <a:masterClrMapping/>
+  </p:clrMapOvr>
+  <mc:AlternateContent xmlns:mc="http://schemas.openxmlformats.org/markup-compatibility/2006" xmlns:p14="http://schemas.microsoft.com/office/powerpoint/2010/main">
+    <mc:Choice Requires="p14">
+      <p:transition spd="med" p14:dur="700">
+        <p:fade/>
+      </p:transition>
+    </mc:Choice>
+    <mc:Fallback xmlns="">
+      <p:transition spd="med">
+        <p:fade/>
+      </p:transition>
     </mc:Fallback>
   </mc:AlternateContent>
 </p:sld>
@@ -4410,11 +4720,11 @@
   <p:clrMapOvr>
     <a:masterClrMapping/>
   </p:clrMapOvr>
-  <mc:AlternateContent xmlns:mc="http://schemas.openxmlformats.org/markup-compatibility/2006">
-    <mc:Choice xmlns:p14="http://schemas.microsoft.com/office/powerpoint/2010/main" Requires="p14">
+  <mc:AlternateContent xmlns:mc="http://schemas.openxmlformats.org/markup-compatibility/2006" xmlns:p14="http://schemas.microsoft.com/office/powerpoint/2010/main">
+    <mc:Choice Requires="p14">
       <p:transition p14:dur="0"/>
     </mc:Choice>
-    <mc:Fallback>
+    <mc:Fallback xmlns="">
       <p:transition/>
     </mc:Fallback>
   </mc:AlternateContent>
@@ -5220,11 +5530,11 @@
   <p:clrMapOvr>
     <a:masterClrMapping/>
   </p:clrMapOvr>
-  <mc:AlternateContent xmlns:mc="http://schemas.openxmlformats.org/markup-compatibility/2006">
-    <mc:Choice xmlns:p14="http://schemas.microsoft.com/office/powerpoint/2010/main" Requires="p14">
+  <mc:AlternateContent xmlns:mc="http://schemas.openxmlformats.org/markup-compatibility/2006" xmlns:p14="http://schemas.microsoft.com/office/powerpoint/2010/main">
+    <mc:Choice Requires="p14">
       <p:transition p14:dur="0"/>
     </mc:Choice>
-    <mc:Fallback>
+    <mc:Fallback xmlns="">
       <p:transition/>
     </mc:Fallback>
   </mc:AlternateContent>
@@ -5790,7 +6100,25 @@
                 </a:solidFill>
                 <a:latin typeface="Consolas" panose="020B0609020204030204" pitchFamily="49" charset="0"/>
               </a:rPr>
-              <a:t>="@(() =&gt; formData.Name)"</a:t>
+              <a:t>="() =&gt; </a:t>
+            </a:r>
+            <a:r>
+              <a:rPr lang="cs-CZ" dirty="0" err="1">
+                <a:solidFill>
+                  <a:srgbClr val="0000FF"/>
+                </a:solidFill>
+                <a:latin typeface="Consolas" panose="020B0609020204030204" pitchFamily="49" charset="0"/>
+              </a:rPr>
+              <a:t>formData.Name</a:t>
+            </a:r>
+            <a:r>
+              <a:rPr lang="cs-CZ" dirty="0">
+                <a:solidFill>
+                  <a:srgbClr val="0000FF"/>
+                </a:solidFill>
+                <a:latin typeface="Consolas" panose="020B0609020204030204" pitchFamily="49" charset="0"/>
+              </a:rPr>
+              <a:t>"</a:t>
             </a:r>
             <a:r>
               <a:rPr lang="cs-CZ" dirty="0">
@@ -5834,11 +6162,11 @@
   <p:clrMapOvr>
     <a:masterClrMapping/>
   </p:clrMapOvr>
-  <mc:AlternateContent xmlns:mc="http://schemas.openxmlformats.org/markup-compatibility/2006">
-    <mc:Choice xmlns:p14="http://schemas.microsoft.com/office/powerpoint/2010/main" Requires="p14">
+  <mc:AlternateContent xmlns:mc="http://schemas.openxmlformats.org/markup-compatibility/2006" xmlns:p14="http://schemas.microsoft.com/office/powerpoint/2010/main">
+    <mc:Choice Requires="p14">
       <p:transition p14:dur="0"/>
     </mc:Choice>
-    <mc:Fallback>
+    <mc:Fallback xmlns="">
       <p:transition/>
     </mc:Fallback>
   </mc:AlternateContent>
@@ -6283,11 +6611,11 @@
   <p:clrMapOvr>
     <a:masterClrMapping/>
   </p:clrMapOvr>
-  <mc:AlternateContent xmlns:mc="http://schemas.openxmlformats.org/markup-compatibility/2006">
-    <mc:Choice xmlns:p14="http://schemas.microsoft.com/office/powerpoint/2010/main" Requires="p14">
+  <mc:AlternateContent xmlns:mc="http://schemas.openxmlformats.org/markup-compatibility/2006" xmlns:p14="http://schemas.microsoft.com/office/powerpoint/2010/main">
+    <mc:Choice Requires="p14">
       <p:transition p14:dur="0"/>
     </mc:Choice>
-    <mc:Fallback>
+    <mc:Fallback xmlns="">
       <p:transition/>
     </mc:Fallback>
   </mc:AlternateContent>
@@ -6435,11 +6763,440 @@
   <p:clrMapOvr>
     <a:masterClrMapping/>
   </p:clrMapOvr>
+  <mc:AlternateContent xmlns:mc="http://schemas.openxmlformats.org/markup-compatibility/2006" xmlns:p14="http://schemas.microsoft.com/office/powerpoint/2010/main">
+    <mc:Choice Requires="p14">
+      <p:transition p14:dur="0"/>
+    </mc:Choice>
+    <mc:Fallback xmlns="">
+      <p:transition/>
+    </mc:Fallback>
+  </mc:AlternateContent>
+</p:sld>
+</file>
+
+<file path=ppt/slides/slide7.xml><?xml version="1.0" encoding="utf-8"?>
+<p:sld xmlns:a="http://schemas.openxmlformats.org/drawingml/2006/main" xmlns:r="http://schemas.openxmlformats.org/officeDocument/2006/relationships" xmlns:p="http://schemas.openxmlformats.org/presentationml/2006/main">
+  <p:cSld>
+    <p:spTree>
+      <p:nvGrpSpPr>
+        <p:cNvPr id="1" name=""/>
+        <p:cNvGrpSpPr/>
+        <p:nvPr/>
+      </p:nvGrpSpPr>
+      <p:grpSpPr>
+        <a:xfrm>
+          <a:off x="0" y="0"/>
+          <a:ext cx="0" cy="0"/>
+          <a:chOff x="0" y="0"/>
+          <a:chExt cx="0" cy="0"/>
+        </a:xfrm>
+      </p:grpSpPr>
+      <p:sp>
+        <p:nvSpPr>
+          <p:cNvPr id="3" name="Title 2"/>
+          <p:cNvSpPr>
+            <a:spLocks noGrp="1"/>
+          </p:cNvSpPr>
+          <p:nvPr>
+            <p:ph type="title"/>
+          </p:nvPr>
+        </p:nvSpPr>
+        <p:spPr>
+          <a:xfrm>
+            <a:off x="1199456" y="3200994"/>
+            <a:ext cx="8782744" cy="2028206"/>
+          </a:xfrm>
+        </p:spPr>
+        <p:txBody>
+          <a:bodyPr>
+            <a:normAutofit/>
+          </a:bodyPr>
+          <a:lstStyle/>
+          <a:p>
+            <a:r>
+              <a:rPr lang="cs-CZ" dirty="0"/>
+              <a:t>ASP.NET Core </a:t>
+            </a:r>
+            <a:r>
+              <a:rPr lang="cs-CZ" b="1" dirty="0"/>
+              <a:t>Blazor</a:t>
+            </a:r>
+            <a:br>
+              <a:rPr lang="cs-CZ" b="1" dirty="0"/>
+            </a:br>
+            <a:r>
+              <a:rPr lang="cs-CZ" sz="4000" dirty="0">
+                <a:solidFill>
+                  <a:srgbClr val="000000"/>
+                </a:solidFill>
+              </a:rPr>
+              <a:t>Formuláře – Lokalizace (část druhá)</a:t>
+            </a:r>
+          </a:p>
+        </p:txBody>
+      </p:sp>
+      <p:sp>
+        <p:nvSpPr>
+          <p:cNvPr id="4" name="Subtitle 3"/>
+          <p:cNvSpPr>
+            <a:spLocks noGrp="1"/>
+          </p:cNvSpPr>
+          <p:nvPr>
+            <p:ph type="body" idx="1"/>
+          </p:nvPr>
+        </p:nvSpPr>
+        <p:spPr>
+          <a:xfrm>
+            <a:off x="1199456" y="1700808"/>
+            <a:ext cx="8782744" cy="1368152"/>
+          </a:xfrm>
+        </p:spPr>
+        <p:txBody>
+          <a:bodyPr/>
+          <a:lstStyle/>
+          <a:p>
+            <a:endParaRPr lang="cs-CZ" sz="2000" dirty="0"/>
+          </a:p>
+        </p:txBody>
+      </p:sp>
+    </p:spTree>
+  </p:cSld>
+  <p:clrMapOvr>
+    <a:masterClrMapping/>
+  </p:clrMapOvr>
   <mc:AlternateContent xmlns:mc="http://schemas.openxmlformats.org/markup-compatibility/2006">
     <mc:Choice xmlns:p14="http://schemas.microsoft.com/office/powerpoint/2010/main" Requires="p14">
+      <p:transition p14:dur="10"/>
+    </mc:Choice>
+    <mc:Fallback>
+      <p:transition/>
+    </mc:Fallback>
+  </mc:AlternateContent>
+</p:sld>
+</file>
+
+<file path=ppt/slides/slide8.xml><?xml version="1.0" encoding="utf-8"?>
+<p:sld xmlns:a="http://schemas.openxmlformats.org/drawingml/2006/main" xmlns:r="http://schemas.openxmlformats.org/officeDocument/2006/relationships" xmlns:p="http://schemas.openxmlformats.org/presentationml/2006/main">
+  <p:cSld>
+    <p:spTree>
+      <p:nvGrpSpPr>
+        <p:cNvPr id="1" name=""/>
+        <p:cNvGrpSpPr/>
+        <p:nvPr/>
+      </p:nvGrpSpPr>
+      <p:grpSpPr>
+        <a:xfrm>
+          <a:off x="0" y="0"/>
+          <a:ext cx="0" cy="0"/>
+          <a:chOff x="0" y="0"/>
+          <a:chExt cx="0" cy="0"/>
+        </a:xfrm>
+      </p:grpSpPr>
+      <p:sp>
+        <p:nvSpPr>
+          <p:cNvPr id="2" name="Nadpis 1">
+            <a:extLst>
+              <a:ext uri="{FF2B5EF4-FFF2-40B4-BE49-F238E27FC236}">
+                <a16:creationId xmlns:a16="http://schemas.microsoft.com/office/drawing/2014/main" id="{B8CD528B-317F-422D-B626-592B1C27ED94}"/>
+              </a:ext>
+            </a:extLst>
+          </p:cNvPr>
+          <p:cNvSpPr>
+            <a:spLocks noGrp="1"/>
+          </p:cNvSpPr>
+          <p:nvPr>
+            <p:ph type="title"/>
+          </p:nvPr>
+        </p:nvSpPr>
+        <p:spPr/>
+        <p:txBody>
+          <a:bodyPr/>
+          <a:lstStyle/>
+          <a:p>
+            <a:r>
+              <a:rPr lang="cs-CZ" dirty="0" err="1"/>
+              <a:t>Blazor</a:t>
+            </a:r>
+            <a:r>
+              <a:rPr lang="cs-CZ" dirty="0"/>
+              <a:t> &amp; Lokalizace</a:t>
+            </a:r>
+          </a:p>
+        </p:txBody>
+      </p:sp>
+      <p:sp>
+        <p:nvSpPr>
+          <p:cNvPr id="3" name="Zástupný obsah 2">
+            <a:extLst>
+              <a:ext uri="{FF2B5EF4-FFF2-40B4-BE49-F238E27FC236}">
+                <a16:creationId xmlns:a16="http://schemas.microsoft.com/office/drawing/2014/main" id="{E4E0ABC3-230D-4D51-A3C7-65FAF88A1FEF}"/>
+              </a:ext>
+            </a:extLst>
+          </p:cNvPr>
+          <p:cNvSpPr>
+            <a:spLocks noGrp="1"/>
+          </p:cNvSpPr>
+          <p:nvPr>
+            <p:ph idx="1"/>
+          </p:nvPr>
+        </p:nvSpPr>
+        <p:spPr/>
+        <p:txBody>
+          <a:bodyPr/>
+          <a:lstStyle/>
+          <a:p>
+            <a:pPr marL="0" indent="0">
+              <a:buNone/>
+            </a:pPr>
+            <a:r>
+              <a:rPr lang="cs-CZ" b="0" i="0" dirty="0">
+                <a:solidFill>
+                  <a:srgbClr val="202124"/>
+                </a:solidFill>
+                <a:effectLst/>
+                <a:latin typeface="consolas" panose="020B0609020204030204" pitchFamily="49" charset="0"/>
+              </a:rPr>
+              <a:t>❌ </a:t>
+            </a:r>
+            <a:r>
+              <a:rPr lang="cs-CZ" dirty="0"/>
+              <a:t>Data </a:t>
+            </a:r>
+            <a:r>
+              <a:rPr lang="cs-CZ" dirty="0" err="1"/>
+              <a:t>Annotations</a:t>
+            </a:r>
+            <a:r>
+              <a:rPr lang="cs-CZ" dirty="0"/>
+              <a:t> </a:t>
+            </a:r>
+            <a:r>
+              <a:rPr lang="cs-CZ" dirty="0" err="1"/>
+              <a:t>Localization</a:t>
+            </a:r>
+            <a:endParaRPr lang="cs-CZ" dirty="0"/>
+          </a:p>
+          <a:p>
+            <a:pPr marL="0" indent="0">
+              <a:buNone/>
+            </a:pPr>
+            <a:endParaRPr lang="cs-CZ" dirty="0"/>
+          </a:p>
+          <a:p>
+            <a:pPr marL="0" indent="0">
+              <a:buNone/>
+            </a:pPr>
+            <a:endParaRPr lang="cs-CZ" dirty="0"/>
+          </a:p>
+          <a:p>
+            <a:r>
+              <a:rPr lang="cs-CZ" dirty="0" err="1"/>
+              <a:t>ErrorMessageResourceName</a:t>
+            </a:r>
+            <a:endParaRPr lang="cs-CZ" dirty="0"/>
+          </a:p>
+          <a:p>
+            <a:r>
+              <a:rPr lang="cs-CZ" dirty="0" err="1"/>
+              <a:t>ErrorMessageResourceType</a:t>
+            </a:r>
+            <a:endParaRPr lang="cs-CZ" dirty="0"/>
+          </a:p>
+          <a:p>
+            <a:r>
+              <a:rPr lang="cs-CZ" dirty="0" err="1"/>
+              <a:t>CustomTool</a:t>
+            </a:r>
+            <a:endParaRPr lang="cs-CZ" dirty="0"/>
+          </a:p>
+          <a:p>
+            <a:pPr marL="0" indent="0">
+              <a:buNone/>
+            </a:pPr>
+            <a:endParaRPr lang="cs-CZ" dirty="0"/>
+          </a:p>
+        </p:txBody>
+      </p:sp>
+    </p:spTree>
+    <p:extLst>
+      <p:ext uri="{BB962C8B-B14F-4D97-AF65-F5344CB8AC3E}">
+        <p14:creationId xmlns:p14="http://schemas.microsoft.com/office/powerpoint/2010/main" val="4094216448"/>
+      </p:ext>
+    </p:extLst>
+  </p:cSld>
+  <p:clrMapOvr>
+    <a:masterClrMapping/>
+  </p:clrMapOvr>
+  <mc:AlternateContent xmlns:mc="http://schemas.openxmlformats.org/markup-compatibility/2006" xmlns:p14="http://schemas.microsoft.com/office/powerpoint/2010/main">
+    <mc:Choice Requires="p14">
+      <p:transition spd="med" p14:dur="700">
+        <p:fade/>
+      </p:transition>
+    </mc:Choice>
+    <mc:Fallback xmlns="">
+      <p:transition spd="med">
+        <p:fade/>
+      </p:transition>
+    </mc:Fallback>
+  </mc:AlternateContent>
+</p:sld>
+</file>
+
+<file path=ppt/slides/slide9.xml><?xml version="1.0" encoding="utf-8"?>
+<p:sld xmlns:a="http://schemas.openxmlformats.org/drawingml/2006/main" xmlns:r="http://schemas.openxmlformats.org/officeDocument/2006/relationships" xmlns:p="http://schemas.openxmlformats.org/presentationml/2006/main">
+  <p:cSld>
+    <p:spTree>
+      <p:nvGrpSpPr>
+        <p:cNvPr id="1" name=""/>
+        <p:cNvGrpSpPr/>
+        <p:nvPr/>
+      </p:nvGrpSpPr>
+      <p:grpSpPr>
+        <a:xfrm>
+          <a:off x="0" y="0"/>
+          <a:ext cx="0" cy="0"/>
+          <a:chOff x="0" y="0"/>
+          <a:chExt cx="0" cy="0"/>
+        </a:xfrm>
+      </p:grpSpPr>
+      <p:sp>
+        <p:nvSpPr>
+          <p:cNvPr id="2" name="Title 1">
+            <a:extLst>
+              <a:ext uri="{FF2B5EF4-FFF2-40B4-BE49-F238E27FC236}">
+                <a16:creationId xmlns:a16="http://schemas.microsoft.com/office/drawing/2014/main" id="{9157A232-74DF-43A9-9BB1-7FD2335C9421}"/>
+              </a:ext>
+            </a:extLst>
+          </p:cNvPr>
+          <p:cNvSpPr>
+            <a:spLocks noGrp="1"/>
+          </p:cNvSpPr>
+          <p:nvPr>
+            <p:ph type="title"/>
+          </p:nvPr>
+        </p:nvSpPr>
+        <p:spPr>
+          <a:xfrm>
+            <a:off x="911424" y="3056980"/>
+            <a:ext cx="10363200" cy="3324348"/>
+          </a:xfrm>
+        </p:spPr>
+        <p:txBody>
+          <a:bodyPr>
+            <a:normAutofit/>
+          </a:bodyPr>
+          <a:lstStyle/>
+          <a:p>
+            <a:endParaRPr lang="cs-CZ" sz="4000" dirty="0"/>
+          </a:p>
+        </p:txBody>
+      </p:sp>
+      <p:sp>
+        <p:nvSpPr>
+          <p:cNvPr id="3" name="Text Placeholder 2">
+            <a:extLst>
+              <a:ext uri="{FF2B5EF4-FFF2-40B4-BE49-F238E27FC236}">
+                <a16:creationId xmlns:a16="http://schemas.microsoft.com/office/drawing/2014/main" id="{3B170FEF-CB05-4925-B91B-04DA5FDB9C18}"/>
+              </a:ext>
+            </a:extLst>
+          </p:cNvPr>
+          <p:cNvSpPr>
+            <a:spLocks noGrp="1"/>
+          </p:cNvSpPr>
+          <p:nvPr>
+            <p:ph type="body" idx="1"/>
+          </p:nvPr>
+        </p:nvSpPr>
+        <p:spPr/>
+        <p:txBody>
+          <a:bodyPr>
+            <a:normAutofit/>
+          </a:bodyPr>
+          <a:lstStyle/>
+          <a:p>
+            <a:r>
+              <a:rPr lang="cs-CZ" sz="4000" b="1" dirty="0">
+                <a:latin typeface="+mj-lt"/>
+              </a:rPr>
+              <a:t>Data </a:t>
+            </a:r>
+            <a:r>
+              <a:rPr lang="cs-CZ" sz="4000" b="1" dirty="0" err="1">
+                <a:latin typeface="+mj-lt"/>
+              </a:rPr>
+              <a:t>Annotations</a:t>
+            </a:r>
+            <a:r>
+              <a:rPr lang="cs-CZ" sz="4000" b="1" dirty="0">
+                <a:latin typeface="+mj-lt"/>
+              </a:rPr>
+              <a:t> &amp; Lokalizace</a:t>
+            </a:r>
+          </a:p>
+        </p:txBody>
+      </p:sp>
+      <p:pic>
+        <p:nvPicPr>
+          <p:cNvPr id="4098" name="Picture 2" descr="Image result for demo">
+            <a:extLst>
+              <a:ext uri="{FF2B5EF4-FFF2-40B4-BE49-F238E27FC236}">
+                <a16:creationId xmlns:a16="http://schemas.microsoft.com/office/drawing/2014/main" id="{27446DE1-DCF5-4DC9-85F6-2193DDB1474F}"/>
+              </a:ext>
+            </a:extLst>
+          </p:cNvPr>
+          <p:cNvPicPr>
+            <a:picLocks noChangeAspect="1" noChangeArrowheads="1"/>
+          </p:cNvPicPr>
+          <p:nvPr/>
+        </p:nvPicPr>
+        <p:blipFill>
+          <a:blip r:embed="rId2">
+            <a:extLst>
+              <a:ext uri="{28A0092B-C50C-407E-A947-70E740481C1C}">
+                <a14:useLocalDpi xmlns:a14="http://schemas.microsoft.com/office/drawing/2010/main" val="0"/>
+              </a:ext>
+            </a:extLst>
+          </a:blip>
+          <a:srcRect/>
+          <a:stretch>
+            <a:fillRect/>
+          </a:stretch>
+        </p:blipFill>
+        <p:spPr bwMode="auto">
+          <a:xfrm>
+            <a:off x="6600056" y="280849"/>
+            <a:ext cx="5842620" cy="2430530"/>
+          </a:xfrm>
+          <a:prstGeom prst="rect">
+            <a:avLst/>
+          </a:prstGeom>
+          <a:noFill/>
+          <a:extLst>
+            <a:ext uri="{909E8E84-426E-40DD-AFC4-6F175D3DCCD1}">
+              <a14:hiddenFill xmlns:a14="http://schemas.microsoft.com/office/drawing/2010/main">
+                <a:solidFill>
+                  <a:srgbClr val="FFFFFF"/>
+                </a:solidFill>
+              </a14:hiddenFill>
+            </a:ext>
+          </a:extLst>
+        </p:spPr>
+      </p:pic>
+    </p:spTree>
+    <p:extLst>
+      <p:ext uri="{BB962C8B-B14F-4D97-AF65-F5344CB8AC3E}">
+        <p14:creationId xmlns:p14="http://schemas.microsoft.com/office/powerpoint/2010/main" val="1592427053"/>
+      </p:ext>
+    </p:extLst>
+  </p:cSld>
+  <p:clrMapOvr>
+    <a:masterClrMapping/>
+  </p:clrMapOvr>
+  <mc:AlternateContent xmlns:mc="http://schemas.openxmlformats.org/markup-compatibility/2006" xmlns:p14="http://schemas.microsoft.com/office/powerpoint/2010/main">
+    <mc:Choice Requires="p14">
       <p:transition p14:dur="0"/>
     </mc:Choice>
-    <mc:Fallback>
+    <mc:Fallback xmlns="">
       <p:transition/>
     </mc:Fallback>
   </mc:AlternateContent>
@@ -7022,12 +7779,9 @@
 </file>
 
 <file path=customXml/item1.xml><?xml version="1.0" encoding="utf-8"?>
-<?mso-contentType ?>
-<FormTemplates xmlns="http://schemas.microsoft.com/sharepoint/v3/contenttype/forms">
-  <Display>DocumentLibraryForm</Display>
-  <Edit>DocumentLibraryForm</Edit>
-  <New>DocumentLibraryForm</New>
-</FormTemplates>
+<p:properties xmlns:p="http://schemas.microsoft.com/office/2006/metadata/properties" xmlns:xsi="http://www.w3.org/2001/XMLSchema-instance" xmlns:pc="http://schemas.microsoft.com/office/infopath/2007/PartnerControls">
+  <documentManagement/>
+</p:properties>
 </file>
 
 <file path=customXml/item2.xml><?xml version="1.0" encoding="utf-8"?>
@@ -7145,15 +7899,19 @@
 </file>
 
 <file path=customXml/item3.xml><?xml version="1.0" encoding="utf-8"?>
-<p:properties xmlns:p="http://schemas.microsoft.com/office/2006/metadata/properties" xmlns:xsi="http://www.w3.org/2001/XMLSchema-instance" xmlns:pc="http://schemas.microsoft.com/office/infopath/2007/PartnerControls">
-  <documentManagement/>
-</p:properties>
+<?mso-contentType ?>
+<FormTemplates xmlns="http://schemas.microsoft.com/sharepoint/v3/contenttype/forms">
+  <Display>DocumentLibraryForm</Display>
+  <Edit>DocumentLibraryForm</Edit>
+  <New>DocumentLibraryForm</New>
+</FormTemplates>
 </file>
 
 <file path=customXml/itemProps1.xml><?xml version="1.0" encoding="utf-8"?>
-<ds:datastoreItem xmlns:ds="http://schemas.openxmlformats.org/officeDocument/2006/customXml" ds:itemID="{B22238E5-BDC0-4655-AFB5-A7405C559E7D}">
+<ds:datastoreItem xmlns:ds="http://schemas.openxmlformats.org/officeDocument/2006/customXml" ds:itemID="{317FD51D-081C-435E-8F5D-6D88218064D9}">
   <ds:schemaRefs>
-    <ds:schemaRef ds:uri="http://schemas.microsoft.com/sharepoint/v3/contenttype/forms"/>
+    <ds:schemaRef ds:uri="http://schemas.microsoft.com/office/2006/metadata/properties"/>
+    <ds:schemaRef ds:uri="http://schemas.microsoft.com/office/infopath/2007/PartnerControls"/>
   </ds:schemaRefs>
 </ds:datastoreItem>
 </file>
@@ -7175,10 +7933,9 @@
 </file>
 
 <file path=customXml/itemProps3.xml><?xml version="1.0" encoding="utf-8"?>
-<ds:datastoreItem xmlns:ds="http://schemas.openxmlformats.org/officeDocument/2006/customXml" ds:itemID="{317FD51D-081C-435E-8F5D-6D88218064D9}">
+<ds:datastoreItem xmlns:ds="http://schemas.openxmlformats.org/officeDocument/2006/customXml" ds:itemID="{B22238E5-BDC0-4655-AFB5-A7405C559E7D}">
   <ds:schemaRefs>
-    <ds:schemaRef ds:uri="http://schemas.microsoft.com/office/2006/metadata/properties"/>
-    <ds:schemaRef ds:uri="http://schemas.microsoft.com/office/infopath/2007/PartnerControls"/>
+    <ds:schemaRef ds:uri="http://schemas.microsoft.com/sharepoint/v3/contenttype/forms"/>
   </ds:schemaRefs>
 </ds:datastoreItem>
 </file>
--- a/Presentation/04 - Blazor - Formuláře.pptx
+++ b/Presentation/04 - Blazor - Formuláře.pptx
@@ -5,7 +5,7 @@
     <p:sldMasterId id="2147483794" r:id="rId4"/>
   </p:sldMasterIdLst>
   <p:notesMasterIdLst>
-    <p:notesMasterId r:id="rId16"/>
+    <p:notesMasterId r:id="rId17"/>
   </p:notesMasterIdLst>
   <p:sldIdLst>
     <p:sldId id="256" r:id="rId5"/>
@@ -18,7 +18,8 @@
     <p:sldId id="341" r:id="rId12"/>
     <p:sldId id="344" r:id="rId13"/>
     <p:sldId id="345" r:id="rId14"/>
-    <p:sldId id="346" r:id="rId15"/>
+    <p:sldId id="347" r:id="rId15"/>
+    <p:sldId id="346" r:id="rId16"/>
   </p:sldIdLst>
   <p:sldSz cx="12192000" cy="6858000"/>
   <p:notesSz cx="6858000" cy="9144000"/>
@@ -249,7 +250,7 @@
             <a:fld id="{A74C3DD1-6B4C-423E-A696-BD4124EC33BC}" type="datetimeFigureOut">
               <a:rPr lang="cs-CZ" smtClean="0"/>
               <a:pPr/>
-              <a:t>15.10.2021</a:t>
+              <a:t>18.10.2021</a:t>
             </a:fld>
             <a:endParaRPr lang="cs-CZ" dirty="0"/>
           </a:p>
@@ -716,7 +717,7 @@
           <a:p>
             <a:fld id="{0DA6F2F8-F70A-47D7-AD2D-4F12E71A0C18}" type="datetimeFigureOut">
               <a:rPr lang="cs-CZ" smtClean="0"/>
-              <a:t>15.10.2021</a:t>
+              <a:t>18.10.2021</a:t>
             </a:fld>
             <a:endParaRPr lang="cs-CZ"/>
           </a:p>
@@ -898,7 +899,7 @@
           <a:p>
             <a:fld id="{0DA6F2F8-F70A-47D7-AD2D-4F12E71A0C18}" type="datetimeFigureOut">
               <a:rPr lang="cs-CZ" smtClean="0"/>
-              <a:t>15.10.2021</a:t>
+              <a:t>18.10.2021</a:t>
             </a:fld>
             <a:endParaRPr lang="cs-CZ"/>
           </a:p>
@@ -1090,7 +1091,7 @@
           <a:p>
             <a:fld id="{0DA6F2F8-F70A-47D7-AD2D-4F12E71A0C18}" type="datetimeFigureOut">
               <a:rPr lang="cs-CZ" smtClean="0"/>
-              <a:t>15.10.2021</a:t>
+              <a:t>18.10.2021</a:t>
             </a:fld>
             <a:endParaRPr lang="cs-CZ"/>
           </a:p>
@@ -1305,7 +1306,7 @@
           <a:p>
             <a:fld id="{0DA6F2F8-F70A-47D7-AD2D-4F12E71A0C18}" type="datetimeFigureOut">
               <a:rPr lang="cs-CZ" smtClean="0"/>
-              <a:t>15.10.2021</a:t>
+              <a:t>18.10.2021</a:t>
             </a:fld>
             <a:endParaRPr lang="cs-CZ"/>
           </a:p>
@@ -1580,7 +1581,7 @@
           <a:p>
             <a:fld id="{0DA6F2F8-F70A-47D7-AD2D-4F12E71A0C18}" type="datetimeFigureOut">
               <a:rPr lang="cs-CZ" smtClean="0"/>
-              <a:t>15.10.2021</a:t>
+              <a:t>18.10.2021</a:t>
             </a:fld>
             <a:endParaRPr lang="cs-CZ"/>
           </a:p>
@@ -1897,7 +1898,7 @@
           <a:p>
             <a:fld id="{0DA6F2F8-F70A-47D7-AD2D-4F12E71A0C18}" type="datetimeFigureOut">
               <a:rPr lang="cs-CZ" smtClean="0"/>
-              <a:t>15.10.2021</a:t>
+              <a:t>18.10.2021</a:t>
             </a:fld>
             <a:endParaRPr lang="cs-CZ" dirty="0"/>
           </a:p>
@@ -2348,7 +2349,7 @@
           <a:p>
             <a:fld id="{0DA6F2F8-F70A-47D7-AD2D-4F12E71A0C18}" type="datetimeFigureOut">
               <a:rPr lang="cs-CZ" smtClean="0"/>
-              <a:t>15.10.2021</a:t>
+              <a:t>18.10.2021</a:t>
             </a:fld>
             <a:endParaRPr lang="cs-CZ"/>
           </a:p>
@@ -2495,7 +2496,7 @@
           <a:p>
             <a:fld id="{0DA6F2F8-F70A-47D7-AD2D-4F12E71A0C18}" type="datetimeFigureOut">
               <a:rPr lang="cs-CZ" smtClean="0"/>
-              <a:t>15.10.2021</a:t>
+              <a:t>18.10.2021</a:t>
             </a:fld>
             <a:endParaRPr lang="cs-CZ"/>
           </a:p>
@@ -2602,7 +2603,7 @@
           <a:p>
             <a:fld id="{0DA6F2F8-F70A-47D7-AD2D-4F12E71A0C18}" type="datetimeFigureOut">
               <a:rPr lang="cs-CZ" smtClean="0"/>
-              <a:t>15.10.2021</a:t>
+              <a:t>18.10.2021</a:t>
             </a:fld>
             <a:endParaRPr lang="cs-CZ"/>
           </a:p>
@@ -2893,7 +2894,7 @@
           <a:p>
             <a:fld id="{0DA6F2F8-F70A-47D7-AD2D-4F12E71A0C18}" type="datetimeFigureOut">
               <a:rPr lang="cs-CZ" smtClean="0"/>
-              <a:t>15.10.2021</a:t>
+              <a:t>18.10.2021</a:t>
             </a:fld>
             <a:endParaRPr lang="cs-CZ"/>
           </a:p>
@@ -3162,7 +3163,7 @@
           <a:p>
             <a:fld id="{0DA6F2F8-F70A-47D7-AD2D-4F12E71A0C18}" type="datetimeFigureOut">
               <a:rPr lang="cs-CZ" smtClean="0"/>
-              <a:t>15.10.2021</a:t>
+              <a:t>18.10.2021</a:t>
             </a:fld>
             <a:endParaRPr lang="cs-CZ"/>
           </a:p>
@@ -3426,7 +3427,7 @@
           <a:p>
             <a:fld id="{0DA6F2F8-F70A-47D7-AD2D-4F12E71A0C18}" type="datetimeFigureOut">
               <a:rPr lang="cs-CZ" smtClean="0"/>
-              <a:t>15.10.2021</a:t>
+              <a:t>18.10.2021</a:t>
             </a:fld>
             <a:endParaRPr lang="cs-CZ"/>
           </a:p>
@@ -4046,6 +4047,133 @@
 </file>
 
 <file path=ppt/slides/slide11.xml><?xml version="1.0" encoding="utf-8"?>
+<p:sld xmlns:a="http://schemas.openxmlformats.org/drawingml/2006/main" xmlns:r="http://schemas.openxmlformats.org/officeDocument/2006/relationships" xmlns:p="http://schemas.openxmlformats.org/presentationml/2006/main">
+  <p:cSld>
+    <p:spTree>
+      <p:nvGrpSpPr>
+        <p:cNvPr id="1" name=""/>
+        <p:cNvGrpSpPr/>
+        <p:nvPr/>
+      </p:nvGrpSpPr>
+      <p:grpSpPr>
+        <a:xfrm>
+          <a:off x="0" y="0"/>
+          <a:ext cx="0" cy="0"/>
+          <a:chOff x="0" y="0"/>
+          <a:chExt cx="0" cy="0"/>
+        </a:xfrm>
+      </p:grpSpPr>
+      <p:sp>
+        <p:nvSpPr>
+          <p:cNvPr id="2" name="Nadpis 1">
+            <a:extLst>
+              <a:ext uri="{FF2B5EF4-FFF2-40B4-BE49-F238E27FC236}">
+                <a16:creationId xmlns:a16="http://schemas.microsoft.com/office/drawing/2014/main" id="{27878768-4007-45F5-9857-0C1B24BB4595}"/>
+              </a:ext>
+            </a:extLst>
+          </p:cNvPr>
+          <p:cNvSpPr>
+            <a:spLocks noGrp="1"/>
+          </p:cNvSpPr>
+          <p:nvPr>
+            <p:ph type="title"/>
+          </p:nvPr>
+        </p:nvSpPr>
+        <p:spPr/>
+        <p:txBody>
+          <a:bodyPr/>
+          <a:lstStyle/>
+          <a:p>
+            <a:r>
+              <a:rPr lang="cs-CZ" dirty="0"/>
+              <a:t>&lt;input type="</a:t>
+            </a:r>
+            <a:r>
+              <a:rPr lang="cs-CZ" dirty="0" err="1"/>
+              <a:t>file</a:t>
+            </a:r>
+            <a:r>
+              <a:rPr lang="cs-CZ" dirty="0"/>
+              <a:t>"... /&gt;</a:t>
+            </a:r>
+          </a:p>
+        </p:txBody>
+      </p:sp>
+      <p:sp>
+        <p:nvSpPr>
+          <p:cNvPr id="3" name="Zástupný obsah 2">
+            <a:extLst>
+              <a:ext uri="{FF2B5EF4-FFF2-40B4-BE49-F238E27FC236}">
+                <a16:creationId xmlns:a16="http://schemas.microsoft.com/office/drawing/2014/main" id="{1F343589-4780-44D8-8FFB-AF0A2452D908}"/>
+              </a:ext>
+            </a:extLst>
+          </p:cNvPr>
+          <p:cNvSpPr>
+            <a:spLocks noGrp="1"/>
+          </p:cNvSpPr>
+          <p:nvPr>
+            <p:ph idx="1"/>
+          </p:nvPr>
+        </p:nvSpPr>
+        <p:spPr/>
+        <p:txBody>
+          <a:bodyPr/>
+          <a:lstStyle/>
+          <a:p>
+            <a:r>
+              <a:rPr lang="cs-CZ" dirty="0">
+                <a:hlinkClick r:id="rId2"/>
+              </a:rPr>
+              <a:t>https://docs.microsoft.com/en-us/aspnet/core/blazor/file-uploads?view=aspnetcore-5.0&amp;pivots=webassembly</a:t>
+            </a:r>
+            <a:endParaRPr lang="cs-CZ" dirty="0"/>
+          </a:p>
+          <a:p>
+            <a:endParaRPr lang="cs-CZ" dirty="0"/>
+          </a:p>
+          <a:p>
+            <a:r>
+              <a:rPr lang="cs-CZ" dirty="0">
+                <a:hlinkClick r:id="rId3"/>
+              </a:rPr>
+              <a:t>https://havit.blazor.eu/components/HxInputFile</a:t>
+            </a:r>
+            <a:endParaRPr lang="cs-CZ" dirty="0"/>
+          </a:p>
+          <a:p>
+            <a:endParaRPr lang="cs-CZ" dirty="0"/>
+          </a:p>
+          <a:p>
+            <a:endParaRPr lang="cs-CZ" dirty="0"/>
+          </a:p>
+        </p:txBody>
+      </p:sp>
+    </p:spTree>
+    <p:extLst>
+      <p:ext uri="{BB962C8B-B14F-4D97-AF65-F5344CB8AC3E}">
+        <p14:creationId xmlns:p14="http://schemas.microsoft.com/office/powerpoint/2010/main" val="3480943812"/>
+      </p:ext>
+    </p:extLst>
+  </p:cSld>
+  <p:clrMapOvr>
+    <a:masterClrMapping/>
+  </p:clrMapOvr>
+  <mc:AlternateContent xmlns:mc="http://schemas.openxmlformats.org/markup-compatibility/2006" xmlns:p14="http://schemas.microsoft.com/office/powerpoint/2010/main">
+    <mc:Choice Requires="p14">
+      <p:transition spd="med" p14:dur="700">
+        <p:fade/>
+      </p:transition>
+    </mc:Choice>
+    <mc:Fallback xmlns="">
+      <p:transition spd="med">
+        <p:fade/>
+      </p:transition>
+    </mc:Fallback>
+  </mc:AlternateContent>
+</p:sld>
+</file>
+
+<file path=ppt/slides/slide12.xml><?xml version="1.0" encoding="utf-8"?>
 <p:sld xmlns:a="http://schemas.openxmlformats.org/drawingml/2006/main" xmlns:r="http://schemas.openxmlformats.org/officeDocument/2006/relationships" xmlns:p="http://schemas.openxmlformats.org/presentationml/2006/main">
   <p:cSld>
     <p:spTree>
@@ -6596,8 +6724,44 @@
                 </a:solidFill>
                 <a:latin typeface="Consolas" panose="020B0609020204030204" pitchFamily="49" charset="0"/>
               </a:rPr>
-              <a:t>InputDate		&lt;input type="date"&gt;</a:t>
-            </a:r>
+              <a:t>InputDate		&lt;input type="</a:t>
+            </a:r>
+            <a:r>
+              <a:rPr lang="cs-CZ" sz="3200" dirty="0" err="1">
+                <a:solidFill>
+                  <a:srgbClr val="000000"/>
+                </a:solidFill>
+                <a:latin typeface="Consolas" panose="020B0609020204030204" pitchFamily="49" charset="0"/>
+              </a:rPr>
+              <a:t>date</a:t>
+            </a:r>
+            <a:r>
+              <a:rPr lang="cs-CZ" sz="3200" dirty="0">
+                <a:solidFill>
+                  <a:srgbClr val="000000"/>
+                </a:solidFill>
+                <a:latin typeface="Consolas" panose="020B0609020204030204" pitchFamily="49" charset="0"/>
+              </a:rPr>
+              <a:t>"&gt;</a:t>
+            </a:r>
+          </a:p>
+          <a:p>
+            <a:pPr marL="0" indent="0">
+              <a:buNone/>
+            </a:pPr>
+            <a:r>
+              <a:rPr lang="cs-CZ" dirty="0">
+                <a:hlinkClick r:id="rId2"/>
+              </a:rPr>
+              <a:t>https://docs.microsoft.com/en-us/aspnet/core/blazor/forms-validation?view=aspnetcore-5.0#built-in-form-components-1</a:t>
+            </a:r>
+            <a:endParaRPr lang="cs-CZ" dirty="0"/>
+          </a:p>
+          <a:p>
+            <a:pPr marL="0" indent="0">
+              <a:buNone/>
+            </a:pPr>
+            <a:endParaRPr lang="cs-CZ" dirty="0"/>
           </a:p>
         </p:txBody>
       </p:sp>
@@ -6864,11 +7028,11 @@
   <p:clrMapOvr>
     <a:masterClrMapping/>
   </p:clrMapOvr>
-  <mc:AlternateContent xmlns:mc="http://schemas.openxmlformats.org/markup-compatibility/2006">
-    <mc:Choice xmlns:p14="http://schemas.microsoft.com/office/powerpoint/2010/main" Requires="p14">
+  <mc:AlternateContent xmlns:mc="http://schemas.openxmlformats.org/markup-compatibility/2006" xmlns:p14="http://schemas.microsoft.com/office/powerpoint/2010/main">
+    <mc:Choice Requires="p14">
       <p:transition p14:dur="10"/>
     </mc:Choice>
-    <mc:Fallback>
+    <mc:Fallback xmlns="">
       <p:transition/>
     </mc:Fallback>
   </mc:AlternateContent>
@@ -7785,6 +7949,15 @@
 </file>
 
 <file path=customXml/item2.xml><?xml version="1.0" encoding="utf-8"?>
+<?mso-contentType ?>
+<FormTemplates xmlns="http://schemas.microsoft.com/sharepoint/v3/contenttype/forms">
+  <Display>DocumentLibraryForm</Display>
+  <Edit>DocumentLibraryForm</Edit>
+  <New>DocumentLibraryForm</New>
+</FormTemplates>
+</file>
+
+<file path=customXml/item3.xml><?xml version="1.0" encoding="utf-8"?>
 <ct:contentTypeSchema xmlns:ct="http://schemas.microsoft.com/office/2006/metadata/contentType" xmlns:ma="http://schemas.microsoft.com/office/2006/metadata/properties/metaAttributes" ct:_="" ma:_="" ma:contentTypeName="Dokument" ma:contentTypeID="0x0101000FED9D5FE1F44145801737A7BA47560B" ma:contentTypeVersion="0" ma:contentTypeDescription="Vytvoří nový dokument" ma:contentTypeScope="" ma:versionID="865cee90d61be235413a64cabd79a281">
   <xsd:schema xmlns:xsd="http://www.w3.org/2001/XMLSchema" xmlns:xs="http://www.w3.org/2001/XMLSchema" xmlns:p="http://schemas.microsoft.com/office/2006/metadata/properties" targetNamespace="http://schemas.microsoft.com/office/2006/metadata/properties" ma:root="true" ma:fieldsID="871d6b51c5141eb32e0d04e037372b3c">
     <xsd:element name="properties">
@@ -7898,15 +8071,6 @@
 </ct:contentTypeSchema>
 </file>
 
-<file path=customXml/item3.xml><?xml version="1.0" encoding="utf-8"?>
-<?mso-contentType ?>
-<FormTemplates xmlns="http://schemas.microsoft.com/sharepoint/v3/contenttype/forms">
-  <Display>DocumentLibraryForm</Display>
-  <Edit>DocumentLibraryForm</Edit>
-  <New>DocumentLibraryForm</New>
-</FormTemplates>
-</file>
-
 <file path=customXml/itemProps1.xml><?xml version="1.0" encoding="utf-8"?>
 <ds:datastoreItem xmlns:ds="http://schemas.openxmlformats.org/officeDocument/2006/customXml" ds:itemID="{317FD51D-081C-435E-8F5D-6D88218064D9}">
   <ds:schemaRefs>
@@ -7917,6 +8081,14 @@
 </file>
 
 <file path=customXml/itemProps2.xml><?xml version="1.0" encoding="utf-8"?>
+<ds:datastoreItem xmlns:ds="http://schemas.openxmlformats.org/officeDocument/2006/customXml" ds:itemID="{B22238E5-BDC0-4655-AFB5-A7405C559E7D}">
+  <ds:schemaRefs>
+    <ds:schemaRef ds:uri="http://schemas.microsoft.com/sharepoint/v3/contenttype/forms"/>
+  </ds:schemaRefs>
+</ds:datastoreItem>
+</file>
+
+<file path=customXml/itemProps3.xml><?xml version="1.0" encoding="utf-8"?>
 <ds:datastoreItem xmlns:ds="http://schemas.openxmlformats.org/officeDocument/2006/customXml" ds:itemID="{BABDB233-CC77-4AD7-B48B-2F061438568A}">
   <ds:schemaRefs>
     <ds:schemaRef ds:uri="http://schemas.microsoft.com/office/2006/metadata/contentType"/>
@@ -7930,12 +8102,4 @@
     <ds:schemaRef ds:uri="http://schemas.microsoft.com/office/infopath/2007/PartnerControls"/>
   </ds:schemaRefs>
 </ds:datastoreItem>
-</file>
-
-<file path=customXml/itemProps3.xml><?xml version="1.0" encoding="utf-8"?>
-<ds:datastoreItem xmlns:ds="http://schemas.openxmlformats.org/officeDocument/2006/customXml" ds:itemID="{B22238E5-BDC0-4655-AFB5-A7405C559E7D}">
-  <ds:schemaRefs>
-    <ds:schemaRef ds:uri="http://schemas.microsoft.com/sharepoint/v3/contenttype/forms"/>
-  </ds:schemaRefs>
-</ds:datastoreItem>
 </file>
--- a/Presentation/04 - Blazor - Formuláře.pptx
+++ b/Presentation/04 - Blazor - Formuláře.pptx
@@ -5,7 +5,7 @@
     <p:sldMasterId id="2147483794" r:id="rId4"/>
   </p:sldMasterIdLst>
   <p:notesMasterIdLst>
-    <p:notesMasterId r:id="rId17"/>
+    <p:notesMasterId r:id="rId16"/>
   </p:notesMasterIdLst>
   <p:sldIdLst>
     <p:sldId id="256" r:id="rId5"/>
@@ -19,7 +19,6 @@
     <p:sldId id="344" r:id="rId13"/>
     <p:sldId id="345" r:id="rId14"/>
     <p:sldId id="347" r:id="rId15"/>
-    <p:sldId id="346" r:id="rId16"/>
   </p:sldIdLst>
   <p:sldSz cx="12192000" cy="6858000"/>
   <p:notesSz cx="6858000" cy="9144000"/>
@@ -250,7 +249,7 @@
             <a:fld id="{A74C3DD1-6B4C-423E-A696-BD4124EC33BC}" type="datetimeFigureOut">
               <a:rPr lang="cs-CZ" smtClean="0"/>
               <a:pPr/>
-              <a:t>18.10.2021</a:t>
+              <a:t>12.01.2024</a:t>
             </a:fld>
             <a:endParaRPr lang="cs-CZ" dirty="0"/>
           </a:p>
@@ -717,7 +716,7 @@
           <a:p>
             <a:fld id="{0DA6F2F8-F70A-47D7-AD2D-4F12E71A0C18}" type="datetimeFigureOut">
               <a:rPr lang="cs-CZ" smtClean="0"/>
-              <a:t>18.10.2021</a:t>
+              <a:t>12.01.2024</a:t>
             </a:fld>
             <a:endParaRPr lang="cs-CZ"/>
           </a:p>
@@ -899,7 +898,7 @@
           <a:p>
             <a:fld id="{0DA6F2F8-F70A-47D7-AD2D-4F12E71A0C18}" type="datetimeFigureOut">
               <a:rPr lang="cs-CZ" smtClean="0"/>
-              <a:t>18.10.2021</a:t>
+              <a:t>12.01.2024</a:t>
             </a:fld>
             <a:endParaRPr lang="cs-CZ"/>
           </a:p>
@@ -1091,7 +1090,7 @@
           <a:p>
             <a:fld id="{0DA6F2F8-F70A-47D7-AD2D-4F12E71A0C18}" type="datetimeFigureOut">
               <a:rPr lang="cs-CZ" smtClean="0"/>
-              <a:t>18.10.2021</a:t>
+              <a:t>12.01.2024</a:t>
             </a:fld>
             <a:endParaRPr lang="cs-CZ"/>
           </a:p>
@@ -1306,7 +1305,7 @@
           <a:p>
             <a:fld id="{0DA6F2F8-F70A-47D7-AD2D-4F12E71A0C18}" type="datetimeFigureOut">
               <a:rPr lang="cs-CZ" smtClean="0"/>
-              <a:t>18.10.2021</a:t>
+              <a:t>12.01.2024</a:t>
             </a:fld>
             <a:endParaRPr lang="cs-CZ"/>
           </a:p>
@@ -1581,7 +1580,7 @@
           <a:p>
             <a:fld id="{0DA6F2F8-F70A-47D7-AD2D-4F12E71A0C18}" type="datetimeFigureOut">
               <a:rPr lang="cs-CZ" smtClean="0"/>
-              <a:t>18.10.2021</a:t>
+              <a:t>12.01.2024</a:t>
             </a:fld>
             <a:endParaRPr lang="cs-CZ"/>
           </a:p>
@@ -1898,7 +1897,7 @@
           <a:p>
             <a:fld id="{0DA6F2F8-F70A-47D7-AD2D-4F12E71A0C18}" type="datetimeFigureOut">
               <a:rPr lang="cs-CZ" smtClean="0"/>
-              <a:t>18.10.2021</a:t>
+              <a:t>12.01.2024</a:t>
             </a:fld>
             <a:endParaRPr lang="cs-CZ" dirty="0"/>
           </a:p>
@@ -2349,7 +2348,7 @@
           <a:p>
             <a:fld id="{0DA6F2F8-F70A-47D7-AD2D-4F12E71A0C18}" type="datetimeFigureOut">
               <a:rPr lang="cs-CZ" smtClean="0"/>
-              <a:t>18.10.2021</a:t>
+              <a:t>12.01.2024</a:t>
             </a:fld>
             <a:endParaRPr lang="cs-CZ"/>
           </a:p>
@@ -2496,7 +2495,7 @@
           <a:p>
             <a:fld id="{0DA6F2F8-F70A-47D7-AD2D-4F12E71A0C18}" type="datetimeFigureOut">
               <a:rPr lang="cs-CZ" smtClean="0"/>
-              <a:t>18.10.2021</a:t>
+              <a:t>12.01.2024</a:t>
             </a:fld>
             <a:endParaRPr lang="cs-CZ"/>
           </a:p>
@@ -2603,7 +2602,7 @@
           <a:p>
             <a:fld id="{0DA6F2F8-F70A-47D7-AD2D-4F12E71A0C18}" type="datetimeFigureOut">
               <a:rPr lang="cs-CZ" smtClean="0"/>
-              <a:t>18.10.2021</a:t>
+              <a:t>12.01.2024</a:t>
             </a:fld>
             <a:endParaRPr lang="cs-CZ"/>
           </a:p>
@@ -2894,7 +2893,7 @@
           <a:p>
             <a:fld id="{0DA6F2F8-F70A-47D7-AD2D-4F12E71A0C18}" type="datetimeFigureOut">
               <a:rPr lang="cs-CZ" smtClean="0"/>
-              <a:t>18.10.2021</a:t>
+              <a:t>12.01.2024</a:t>
             </a:fld>
             <a:endParaRPr lang="cs-CZ"/>
           </a:p>
@@ -3163,7 +3162,7 @@
           <a:p>
             <a:fld id="{0DA6F2F8-F70A-47D7-AD2D-4F12E71A0C18}" type="datetimeFigureOut">
               <a:rPr lang="cs-CZ" smtClean="0"/>
-              <a:t>18.10.2021</a:t>
+              <a:t>12.01.2024</a:t>
             </a:fld>
             <a:endParaRPr lang="cs-CZ"/>
           </a:p>
@@ -3427,7 +3426,7 @@
           <a:p>
             <a:fld id="{0DA6F2F8-F70A-47D7-AD2D-4F12E71A0C18}" type="datetimeFigureOut">
               <a:rPr lang="cs-CZ" smtClean="0"/>
-              <a:t>18.10.2021</a:t>
+              <a:t>12.01.2024</a:t>
             </a:fld>
             <a:endParaRPr lang="cs-CZ"/>
           </a:p>
@@ -4152,169 +4151,6 @@
     <p:extLst>
       <p:ext uri="{BB962C8B-B14F-4D97-AF65-F5344CB8AC3E}">
         <p14:creationId xmlns:p14="http://schemas.microsoft.com/office/powerpoint/2010/main" val="3480943812"/>
-      </p:ext>
-    </p:extLst>
-  </p:cSld>
-  <p:clrMapOvr>
-    <a:masterClrMapping/>
-  </p:clrMapOvr>
-  <mc:AlternateContent xmlns:mc="http://schemas.openxmlformats.org/markup-compatibility/2006" xmlns:p14="http://schemas.microsoft.com/office/powerpoint/2010/main">
-    <mc:Choice Requires="p14">
-      <p:transition spd="med" p14:dur="700">
-        <p:fade/>
-      </p:transition>
-    </mc:Choice>
-    <mc:Fallback xmlns="">
-      <p:transition spd="med">
-        <p:fade/>
-      </p:transition>
-    </mc:Fallback>
-  </mc:AlternateContent>
-</p:sld>
-</file>
-
-<file path=ppt/slides/slide12.xml><?xml version="1.0" encoding="utf-8"?>
-<p:sld xmlns:a="http://schemas.openxmlformats.org/drawingml/2006/main" xmlns:r="http://schemas.openxmlformats.org/officeDocument/2006/relationships" xmlns:p="http://schemas.openxmlformats.org/presentationml/2006/main">
-  <p:cSld>
-    <p:spTree>
-      <p:nvGrpSpPr>
-        <p:cNvPr id="1" name=""/>
-        <p:cNvGrpSpPr/>
-        <p:nvPr/>
-      </p:nvGrpSpPr>
-      <p:grpSpPr>
-        <a:xfrm>
-          <a:off x="0" y="0"/>
-          <a:ext cx="0" cy="0"/>
-          <a:chOff x="0" y="0"/>
-          <a:chExt cx="0" cy="0"/>
-        </a:xfrm>
-      </p:grpSpPr>
-      <p:sp>
-        <p:nvSpPr>
-          <p:cNvPr id="2" name="Nadpis 1">
-            <a:extLst>
-              <a:ext uri="{FF2B5EF4-FFF2-40B4-BE49-F238E27FC236}">
-                <a16:creationId xmlns:a16="http://schemas.microsoft.com/office/drawing/2014/main" id="{27878768-4007-45F5-9857-0C1B24BB4595}"/>
-              </a:ext>
-            </a:extLst>
-          </p:cNvPr>
-          <p:cNvSpPr>
-            <a:spLocks noGrp="1"/>
-          </p:cNvSpPr>
-          <p:nvPr>
-            <p:ph type="title"/>
-          </p:nvPr>
-        </p:nvSpPr>
-        <p:spPr/>
-        <p:txBody>
-          <a:bodyPr/>
-          <a:lstStyle/>
-          <a:p>
-            <a:r>
-              <a:rPr lang="cs-CZ" dirty="0"/>
-              <a:t>HAVIT </a:t>
-            </a:r>
-            <a:r>
-              <a:rPr lang="cs-CZ" dirty="0" err="1"/>
-              <a:t>Blazor</a:t>
-            </a:r>
-            <a:endParaRPr lang="cs-CZ" dirty="0"/>
-          </a:p>
-        </p:txBody>
-      </p:sp>
-      <p:sp>
-        <p:nvSpPr>
-          <p:cNvPr id="3" name="Zástupný obsah 2">
-            <a:extLst>
-              <a:ext uri="{FF2B5EF4-FFF2-40B4-BE49-F238E27FC236}">
-                <a16:creationId xmlns:a16="http://schemas.microsoft.com/office/drawing/2014/main" id="{1F343589-4780-44D8-8FFB-AF0A2452D908}"/>
-              </a:ext>
-            </a:extLst>
-          </p:cNvPr>
-          <p:cNvSpPr>
-            <a:spLocks noGrp="1"/>
-          </p:cNvSpPr>
-          <p:nvPr>
-            <p:ph idx="1"/>
-          </p:nvPr>
-        </p:nvSpPr>
-        <p:spPr/>
-        <p:txBody>
-          <a:bodyPr/>
-          <a:lstStyle/>
-          <a:p>
-            <a:r>
-              <a:rPr lang="cs-CZ" dirty="0" err="1"/>
-              <a:t>Blazor</a:t>
-            </a:r>
-            <a:r>
-              <a:rPr lang="cs-CZ" dirty="0"/>
-              <a:t> &amp; </a:t>
-            </a:r>
-            <a:r>
-              <a:rPr lang="cs-CZ" dirty="0" err="1"/>
-              <a:t>Bootstrap</a:t>
-            </a:r>
-            <a:r>
-              <a:rPr lang="cs-CZ" dirty="0"/>
-              <a:t> 5</a:t>
-            </a:r>
-          </a:p>
-          <a:p>
-            <a:r>
-              <a:rPr lang="cs-CZ" dirty="0">
-                <a:hlinkClick r:id="rId2"/>
-              </a:rPr>
-              <a:t>https://havit.blazor.eu</a:t>
-            </a:r>
-            <a:endParaRPr lang="cs-CZ" dirty="0"/>
-          </a:p>
-          <a:p>
-            <a:endParaRPr lang="cs-CZ" dirty="0"/>
-          </a:p>
-          <a:p>
-            <a:endParaRPr lang="cs-CZ" dirty="0"/>
-          </a:p>
-          <a:p>
-            <a:endParaRPr lang="cs-CZ" dirty="0"/>
-          </a:p>
-        </p:txBody>
-      </p:sp>
-      <p:pic>
-        <p:nvPicPr>
-          <p:cNvPr id="4" name="Obrázek 3">
-            <a:extLst>
-              <a:ext uri="{FF2B5EF4-FFF2-40B4-BE49-F238E27FC236}">
-                <a16:creationId xmlns:a16="http://schemas.microsoft.com/office/drawing/2014/main" id="{74025FA8-5890-45AF-953A-56FDE089F11D}"/>
-              </a:ext>
-            </a:extLst>
-          </p:cNvPr>
-          <p:cNvPicPr>
-            <a:picLocks noChangeAspect="1"/>
-          </p:cNvPicPr>
-          <p:nvPr/>
-        </p:nvPicPr>
-        <p:blipFill>
-          <a:blip r:embed="rId3"/>
-          <a:stretch>
-            <a:fillRect/>
-          </a:stretch>
-        </p:blipFill>
-        <p:spPr>
-          <a:xfrm>
-            <a:off x="4727848" y="4824"/>
-            <a:ext cx="8258629" cy="6858000"/>
-          </a:xfrm>
-          <a:prstGeom prst="rect">
-            <a:avLst/>
-          </a:prstGeom>
-        </p:spPr>
-      </p:pic>
-    </p:spTree>
-    <p:extLst>
-      <p:ext uri="{BB962C8B-B14F-4D97-AF65-F5344CB8AC3E}">
-        <p14:creationId xmlns:p14="http://schemas.microsoft.com/office/powerpoint/2010/main" val="3887456304"/>
       </p:ext>
     </p:extLst>
   </p:cSld>
@@ -6744,18 +6580,6 @@
               </a:rPr>
               <a:t>"&gt;</a:t>
             </a:r>
-          </a:p>
-          <a:p>
-            <a:pPr marL="0" indent="0">
-              <a:buNone/>
-            </a:pPr>
-            <a:r>
-              <a:rPr lang="cs-CZ" dirty="0">
-                <a:hlinkClick r:id="rId2"/>
-              </a:rPr>
-              <a:t>https://docs.microsoft.com/en-us/aspnet/core/blazor/forms-validation?view=aspnetcore-5.0#built-in-form-components-1</a:t>
-            </a:r>
-            <a:endParaRPr lang="cs-CZ" dirty="0"/>
           </a:p>
           <a:p>
             <a:pPr marL="0" indent="0">
@@ -7943,21 +7767,6 @@
 </file>
 
 <file path=customXml/item1.xml><?xml version="1.0" encoding="utf-8"?>
-<p:properties xmlns:p="http://schemas.microsoft.com/office/2006/metadata/properties" xmlns:xsi="http://www.w3.org/2001/XMLSchema-instance" xmlns:pc="http://schemas.microsoft.com/office/infopath/2007/PartnerControls">
-  <documentManagement/>
-</p:properties>
-</file>
-
-<file path=customXml/item2.xml><?xml version="1.0" encoding="utf-8"?>
-<?mso-contentType ?>
-<FormTemplates xmlns="http://schemas.microsoft.com/sharepoint/v3/contenttype/forms">
-  <Display>DocumentLibraryForm</Display>
-  <Edit>DocumentLibraryForm</Edit>
-  <New>DocumentLibraryForm</New>
-</FormTemplates>
-</file>
-
-<file path=customXml/item3.xml><?xml version="1.0" encoding="utf-8"?>
 <ct:contentTypeSchema xmlns:ct="http://schemas.microsoft.com/office/2006/metadata/contentType" xmlns:ma="http://schemas.microsoft.com/office/2006/metadata/properties/metaAttributes" ct:_="" ma:_="" ma:contentTypeName="Dokument" ma:contentTypeID="0x0101000FED9D5FE1F44145801737A7BA47560B" ma:contentTypeVersion="0" ma:contentTypeDescription="Vytvoří nový dokument" ma:contentTypeScope="" ma:versionID="865cee90d61be235413a64cabd79a281">
   <xsd:schema xmlns:xsd="http://www.w3.org/2001/XMLSchema" xmlns:xs="http://www.w3.org/2001/XMLSchema" xmlns:p="http://schemas.microsoft.com/office/2006/metadata/properties" targetNamespace="http://schemas.microsoft.com/office/2006/metadata/properties" ma:root="true" ma:fieldsID="871d6b51c5141eb32e0d04e037372b3c">
     <xsd:element name="properties">
@@ -8071,10 +7880,32 @@
 </ct:contentTypeSchema>
 </file>
 
+<file path=customXml/item2.xml><?xml version="1.0" encoding="utf-8"?>
+<?mso-contentType ?>
+<FormTemplates xmlns="http://schemas.microsoft.com/sharepoint/v3/contenttype/forms">
+  <Display>DocumentLibraryForm</Display>
+  <Edit>DocumentLibraryForm</Edit>
+  <New>DocumentLibraryForm</New>
+</FormTemplates>
+</file>
+
+<file path=customXml/item3.xml><?xml version="1.0" encoding="utf-8"?>
+<p:properties xmlns:p="http://schemas.microsoft.com/office/2006/metadata/properties" xmlns:xsi="http://www.w3.org/2001/XMLSchema-instance" xmlns:pc="http://schemas.microsoft.com/office/infopath/2007/PartnerControls">
+  <documentManagement/>
+</p:properties>
+</file>
+
 <file path=customXml/itemProps1.xml><?xml version="1.0" encoding="utf-8"?>
-<ds:datastoreItem xmlns:ds="http://schemas.openxmlformats.org/officeDocument/2006/customXml" ds:itemID="{317FD51D-081C-435E-8F5D-6D88218064D9}">
+<ds:datastoreItem xmlns:ds="http://schemas.openxmlformats.org/officeDocument/2006/customXml" ds:itemID="{BABDB233-CC77-4AD7-B48B-2F061438568A}">
   <ds:schemaRefs>
+    <ds:schemaRef ds:uri="http://schemas.microsoft.com/office/2006/metadata/contentType"/>
+    <ds:schemaRef ds:uri="http://schemas.microsoft.com/office/2006/metadata/properties/metaAttributes"/>
+    <ds:schemaRef ds:uri="http://www.w3.org/2001/XMLSchema"/>
     <ds:schemaRef ds:uri="http://schemas.microsoft.com/office/2006/metadata/properties"/>
+    <ds:schemaRef ds:uri="http://schemas.openxmlformats.org/package/2006/metadata/core-properties"/>
+    <ds:schemaRef ds:uri="http://purl.org/dc/elements/1.1/"/>
+    <ds:schemaRef ds:uri="http://purl.org/dc/terms/"/>
+    <ds:schemaRef ds:uri="http://schemas.microsoft.com/internal/obd"/>
     <ds:schemaRef ds:uri="http://schemas.microsoft.com/office/infopath/2007/PartnerControls"/>
   </ds:schemaRefs>
 </ds:datastoreItem>
@@ -8089,16 +7920,9 @@
 </file>
 
 <file path=customXml/itemProps3.xml><?xml version="1.0" encoding="utf-8"?>
-<ds:datastoreItem xmlns:ds="http://schemas.openxmlformats.org/officeDocument/2006/customXml" ds:itemID="{BABDB233-CC77-4AD7-B48B-2F061438568A}">
+<ds:datastoreItem xmlns:ds="http://schemas.openxmlformats.org/officeDocument/2006/customXml" ds:itemID="{317FD51D-081C-435E-8F5D-6D88218064D9}">
   <ds:schemaRefs>
-    <ds:schemaRef ds:uri="http://schemas.microsoft.com/office/2006/metadata/contentType"/>
-    <ds:schemaRef ds:uri="http://schemas.microsoft.com/office/2006/metadata/properties/metaAttributes"/>
-    <ds:schemaRef ds:uri="http://www.w3.org/2001/XMLSchema"/>
     <ds:schemaRef ds:uri="http://schemas.microsoft.com/office/2006/metadata/properties"/>
-    <ds:schemaRef ds:uri="http://schemas.openxmlformats.org/package/2006/metadata/core-properties"/>
-    <ds:schemaRef ds:uri="http://purl.org/dc/elements/1.1/"/>
-    <ds:schemaRef ds:uri="http://purl.org/dc/terms/"/>
-    <ds:schemaRef ds:uri="http://schemas.microsoft.com/internal/obd"/>
     <ds:schemaRef ds:uri="http://schemas.microsoft.com/office/infopath/2007/PartnerControls"/>
   </ds:schemaRefs>
 </ds:datastoreItem>
